--- a/08_Discourse.pptx
+++ b/08_Discourse.pptx
@@ -7677,7 +7677,7 @@
         <p:spPr>
           <a:xfrm>
             <a:off x="467544" y="1268759"/>
-            <a:ext cx="8352928" cy="2808313"/>
+            <a:ext cx="8352928" cy="3096345"/>
           </a:xfrm>
           <a:ln>
             <a:solidFill>
